--- a/Apresentação/Apresentação.pptx
+++ b/Apresentação/Apresentação.pptx
@@ -10,21 +10,22 @@
     <p:sldId id="268" r:id="rId4"/>
     <p:sldId id="269" r:id="rId5"/>
     <p:sldId id="267" r:id="rId6"/>
+    <p:sldId id="270" r:id="rId7"/>
   </p:sldIdLst>
   <p:sldSz cx="18288000" cy="10287000"/>
   <p:notesSz cx="6858000" cy="9144000"/>
   <p:embeddedFontLst>
     <p:embeddedFont>
       <p:font typeface="Lato Bold" panose="020F0502020204030203" pitchFamily="34" charset="0"/>
-      <p:bold r:id="rId7"/>
+      <p:bold r:id="rId8"/>
     </p:embeddedFont>
     <p:embeddedFont>
       <p:font typeface="Poppins Bold" panose="00000800000000000000" pitchFamily="2" charset="0"/>
-      <p:bold r:id="rId8"/>
+      <p:bold r:id="rId9"/>
     </p:embeddedFont>
     <p:embeddedFont>
       <p:font typeface="Poppins Ultra-Bold" panose="020B0604020202020204" charset="0"/>
-      <p:regular r:id="rId9"/>
+      <p:regular r:id="rId10"/>
     </p:embeddedFont>
   </p:embeddedFontLst>
   <p:defaultTextStyle>
@@ -144,6 +145,7 @@
 <file path=ppt/revisionInfo.xml><?xml version="1.0" encoding="utf-8"?>
 <p1510:revInfo xmlns:a="http://schemas.openxmlformats.org/drawingml/2006/main" xmlns:r="http://schemas.openxmlformats.org/officeDocument/2006/relationships" xmlns:p1510="http://schemas.microsoft.com/office/powerpoint/2015/10/main">
   <p1510:revLst>
+    <p1510:client id="{0DD92B14-C765-B38E-9C73-207354EE8608}" v="103" dt="2024-12-06T20:16:54.198"/>
     <p1510:client id="{6E4EE89F-059A-1D9A-6718-56268A281943}" v="767" dt="2024-12-06T17:58:32.546"/>
   </p1510:revLst>
 </p1510:revInfo>
@@ -7152,8 +7154,8 @@
         </p:nvSpPr>
         <p:spPr>
           <a:xfrm>
-            <a:off x="1532135" y="4043865"/>
-            <a:ext cx="15223821" cy="3353482"/>
+            <a:off x="1532135" y="3683742"/>
+            <a:ext cx="15223821" cy="2189061"/>
           </a:xfrm>
           <a:prstGeom prst="rect">
             <a:avLst/>
@@ -7171,155 +7173,71 @@
               </a:lnSpc>
             </a:pPr>
             <a:r>
-              <a:rPr lang="en-US" sz="5000" spc="225" dirty="0">
-                <a:solidFill>
-                  <a:srgbClr val="2B4A9D"/>
-                </a:solidFill>
-                <a:latin typeface="Poppins Ultra-Bold"/>
+              <a:rPr lang="en-US" sz="5000" spc="225" err="1">
+                <a:latin typeface="Calibri"/>
+                <a:ea typeface="Calibri"/>
                 <a:cs typeface="Poppins Ultra-Bold"/>
               </a:rPr>
-              <a:t>No </a:t>
-            </a:r>
-            <a:r>
-              <a:rPr lang="en-US" sz="5000" spc="225" dirty="0" err="1">
-                <a:solidFill>
-                  <a:srgbClr val="2B4A9D"/>
-                </a:solidFill>
-                <a:latin typeface="Poppins Ultra-Bold"/>
+              <a:t>Acessem</a:t>
+            </a:r>
+            <a:r>
+              <a:rPr lang="en-US" sz="5000" spc="225" dirty="0">
+                <a:latin typeface="Calibri"/>
+                <a:ea typeface="Calibri"/>
                 <a:cs typeface="Poppins Ultra-Bold"/>
               </a:rPr>
-              <a:t>próximo</a:t>
+              <a:t> o </a:t>
+            </a:r>
+            <a:r>
+              <a:rPr lang="en-US" sz="5000" spc="225" err="1">
+                <a:latin typeface="Calibri"/>
+                <a:ea typeface="Calibri"/>
+                <a:cs typeface="Poppins Ultra-Bold"/>
+              </a:rPr>
+              <a:t>seguinte</a:t>
             </a:r>
             <a:r>
               <a:rPr lang="en-US" sz="5000" spc="225" dirty="0">
-                <a:solidFill>
-                  <a:srgbClr val="2B4A9D"/>
-                </a:solidFill>
-                <a:latin typeface="Poppins Ultra-Bold"/>
+                <a:latin typeface="Calibri"/>
+                <a:ea typeface="Calibri"/>
                 <a:cs typeface="Poppins Ultra-Bold"/>
               </a:rPr>
               <a:t> </a:t>
             </a:r>
             <a:r>
-              <a:rPr lang="en-US" sz="5000" spc="225" dirty="0" err="1">
-                <a:solidFill>
-                  <a:srgbClr val="2B4A9D"/>
-                </a:solidFill>
-                <a:latin typeface="Poppins Ultra-Bold"/>
+              <a:rPr lang="en-US" sz="5000" spc="225" err="1">
+                <a:latin typeface="Calibri"/>
+                <a:ea typeface="Calibri"/>
                 <a:cs typeface="Poppins Ultra-Bold"/>
               </a:rPr>
-              <a:t>módulo</a:t>
+              <a:t>repositório</a:t>
             </a:r>
             <a:r>
               <a:rPr lang="en-US" sz="5000" spc="225" dirty="0">
-                <a:solidFill>
-                  <a:srgbClr val="2B4A9D"/>
-                </a:solidFill>
-                <a:latin typeface="Poppins Ultra-Bold"/>
+                <a:latin typeface="Calibri"/>
+                <a:ea typeface="Calibri"/>
                 <a:cs typeface="Poppins Ultra-Bold"/>
               </a:rPr>
-              <a:t> </a:t>
-            </a:r>
-            <a:r>
-              <a:rPr lang="en-US" sz="5000" spc="225" dirty="0" err="1">
+              <a:t>: </a:t>
+            </a:r>
+            <a:r>
+              <a:rPr lang="en-US" sz="5000" b="1" spc="225" dirty="0">
                 <a:solidFill>
-                  <a:srgbClr val="2B4A9D"/>
+                  <a:srgbClr val="0F47B8"/>
                 </a:solidFill>
-                <a:latin typeface="Poppins Ultra-Bold"/>
+                <a:ea typeface="+mn-lt"/>
                 <a:cs typeface="Poppins Ultra-Bold"/>
               </a:rPr>
-              <a:t>vamos</a:t>
-            </a:r>
-            <a:r>
-              <a:rPr lang="en-US" sz="5000" spc="225" dirty="0">
-                <a:solidFill>
-                  <a:srgbClr val="2B4A9D"/>
-                </a:solidFill>
-                <a:latin typeface="Poppins Ultra-Bold"/>
-                <a:cs typeface="Poppins Ultra-Bold"/>
-              </a:rPr>
-              <a:t> </a:t>
-            </a:r>
-            <a:r>
-              <a:rPr lang="en-US" sz="5000" spc="225" dirty="0" err="1">
-                <a:solidFill>
-                  <a:srgbClr val="2B4A9D"/>
-                </a:solidFill>
-                <a:latin typeface="Poppins Ultra-Bold"/>
-                <a:cs typeface="Poppins Ultra-Bold"/>
-              </a:rPr>
-              <a:t>falar</a:t>
-            </a:r>
-            <a:r>
-              <a:rPr lang="en-US" sz="5000" spc="225" dirty="0">
-                <a:solidFill>
-                  <a:srgbClr val="2B4A9D"/>
-                </a:solidFill>
-                <a:latin typeface="Poppins Ultra-Bold"/>
-                <a:cs typeface="Poppins Ultra-Bold"/>
-              </a:rPr>
-              <a:t> </a:t>
-            </a:r>
-            <a:r>
-              <a:rPr lang="en-US" sz="5000" spc="225" dirty="0" err="1">
-                <a:solidFill>
-                  <a:srgbClr val="2B4A9D"/>
-                </a:solidFill>
-                <a:latin typeface="Poppins Ultra-Bold"/>
-                <a:cs typeface="Poppins Ultra-Bold"/>
-              </a:rPr>
-              <a:t>sobre</a:t>
-            </a:r>
-            <a:r>
-              <a:rPr lang="en-US" sz="5000" spc="225" dirty="0">
-                <a:solidFill>
-                  <a:srgbClr val="2B4A9D"/>
-                </a:solidFill>
-                <a:latin typeface="Poppins Ultra-Bold"/>
-                <a:cs typeface="Poppins Ultra-Bold"/>
-              </a:rPr>
-              <a:t> o Flutter e o </a:t>
-            </a:r>
-            <a:r>
-              <a:rPr lang="en-US" sz="5000" spc="225" dirty="0" err="1">
-                <a:solidFill>
-                  <a:srgbClr val="2B4A9D"/>
-                </a:solidFill>
-                <a:latin typeface="Poppins Ultra-Bold"/>
-                <a:cs typeface="Poppins Ultra-Bold"/>
-              </a:rPr>
-              <a:t>ambiente</a:t>
-            </a:r>
-            <a:r>
-              <a:rPr lang="en-US" sz="5000" spc="225" dirty="0">
-                <a:solidFill>
-                  <a:srgbClr val="2B4A9D"/>
-                </a:solidFill>
-                <a:latin typeface="Poppins Ultra-Bold"/>
-                <a:cs typeface="Poppins Ultra-Bold"/>
-              </a:rPr>
-              <a:t> de </a:t>
-            </a:r>
-            <a:r>
-              <a:rPr lang="en-US" sz="5000" spc="225" dirty="0" err="1">
-                <a:solidFill>
-                  <a:srgbClr val="2B4A9D"/>
-                </a:solidFill>
-                <a:latin typeface="Poppins Ultra-Bold"/>
-                <a:cs typeface="Poppins Ultra-Bold"/>
-              </a:rPr>
-              <a:t>desenvolvimento</a:t>
-            </a:r>
-            <a:r>
-              <a:rPr lang="en-US" sz="5000" spc="225" dirty="0">
-                <a:solidFill>
-                  <a:srgbClr val="2B4A9D"/>
-                </a:solidFill>
-                <a:latin typeface="Poppins Ultra-Bold"/>
-                <a:cs typeface="Poppins Ultra-Bold"/>
-              </a:rPr>
-              <a:t>.</a:t>
-            </a:r>
+              <a:t>https://github.com/nataliascosta/Flutter</a:t>
+            </a:r>
+            <a:endParaRPr lang="en-US" sz="5000" b="1" spc="225" dirty="0">
+              <a:solidFill>
+                <a:srgbClr val="0F47B8"/>
+              </a:solidFill>
+              <a:latin typeface="Calibri"/>
+              <a:ea typeface="Calibri"/>
+              <a:cs typeface="Poppins Ultra-Bold"/>
+            </a:endParaRPr>
           </a:p>
         </p:txBody>
       </p:sp>
@@ -7394,6 +7312,282 @@
     <p:extLst>
       <p:ext uri="{BB962C8B-B14F-4D97-AF65-F5344CB8AC3E}">
         <p14:creationId xmlns:p14="http://schemas.microsoft.com/office/powerpoint/2010/main" val="2204561973"/>
+      </p:ext>
+    </p:extLst>
+  </p:cSld>
+  <p:clrMapOvr>
+    <a:masterClrMapping/>
+  </p:clrMapOvr>
+</p:sld>
+</file>
+
+<file path=ppt/slides/slide6.xml><?xml version="1.0" encoding="utf-8"?>
+<p:sld xmlns:a="http://schemas.openxmlformats.org/drawingml/2006/main" xmlns:r="http://schemas.openxmlformats.org/officeDocument/2006/relationships" xmlns:p="http://schemas.openxmlformats.org/presentationml/2006/main">
+  <p:cSld>
+    <p:spTree>
+      <p:nvGrpSpPr>
+        <p:cNvPr id="1" name=""/>
+        <p:cNvGrpSpPr/>
+        <p:nvPr/>
+      </p:nvGrpSpPr>
+      <p:grpSpPr>
+        <a:xfrm>
+          <a:off x="0" y="0"/>
+          <a:ext cx="0" cy="0"/>
+          <a:chOff x="0" y="0"/>
+          <a:chExt cx="0" cy="0"/>
+        </a:xfrm>
+      </p:grpSpPr>
+      <p:sp>
+        <p:nvSpPr>
+          <p:cNvPr id="3" name="TextBox 3"/>
+          <p:cNvSpPr txBox="1"/>
+          <p:nvPr/>
+        </p:nvSpPr>
+        <p:spPr>
+          <a:xfrm>
+            <a:off x="1532135" y="3464536"/>
+            <a:ext cx="15223821" cy="3353482"/>
+          </a:xfrm>
+          <a:prstGeom prst="rect">
+            <a:avLst/>
+          </a:prstGeom>
+        </p:spPr>
+        <p:txBody>
+          <a:bodyPr wrap="square" lIns="0" tIns="0" rIns="0" bIns="0" rtlCol="0" anchor="t">
+            <a:spAutoFit/>
+          </a:bodyPr>
+          <a:lstStyle/>
+          <a:p>
+            <a:pPr marL="485775" lvl="1" algn="ctr">
+              <a:lnSpc>
+                <a:spcPct val="150000"/>
+              </a:lnSpc>
+            </a:pPr>
+            <a:r>
+              <a:rPr lang="en-US" sz="5000" spc="225" dirty="0">
+                <a:solidFill>
+                  <a:srgbClr val="2B4A9D"/>
+                </a:solidFill>
+                <a:latin typeface="Poppins Ultra-Bold"/>
+                <a:cs typeface="Poppins Ultra-Bold"/>
+              </a:rPr>
+              <a:t>No </a:t>
+            </a:r>
+            <a:r>
+              <a:rPr lang="en-US" sz="5000" spc="225" dirty="0" err="1">
+                <a:solidFill>
+                  <a:srgbClr val="2B4A9D"/>
+                </a:solidFill>
+                <a:latin typeface="Poppins Ultra-Bold"/>
+                <a:cs typeface="Poppins Ultra-Bold"/>
+              </a:rPr>
+              <a:t>próximo</a:t>
+            </a:r>
+            <a:r>
+              <a:rPr lang="en-US" sz="5000" spc="225" dirty="0">
+                <a:solidFill>
+                  <a:srgbClr val="2B4A9D"/>
+                </a:solidFill>
+                <a:latin typeface="Poppins Ultra-Bold"/>
+                <a:cs typeface="Poppins Ultra-Bold"/>
+              </a:rPr>
+              <a:t> </a:t>
+            </a:r>
+            <a:r>
+              <a:rPr lang="en-US" sz="5000" spc="225" dirty="0" err="1">
+                <a:solidFill>
+                  <a:srgbClr val="2B4A9D"/>
+                </a:solidFill>
+                <a:latin typeface="Poppins Ultra-Bold"/>
+                <a:cs typeface="Poppins Ultra-Bold"/>
+              </a:rPr>
+              <a:t>módulo</a:t>
+            </a:r>
+            <a:r>
+              <a:rPr lang="en-US" sz="5000" spc="225" dirty="0">
+                <a:solidFill>
+                  <a:srgbClr val="2B4A9D"/>
+                </a:solidFill>
+                <a:latin typeface="Poppins Ultra-Bold"/>
+                <a:cs typeface="Poppins Ultra-Bold"/>
+              </a:rPr>
+              <a:t> </a:t>
+            </a:r>
+            <a:r>
+              <a:rPr lang="en-US" sz="5000" spc="225" dirty="0" err="1">
+                <a:solidFill>
+                  <a:srgbClr val="2B4A9D"/>
+                </a:solidFill>
+                <a:latin typeface="Poppins Ultra-Bold"/>
+                <a:cs typeface="Poppins Ultra-Bold"/>
+              </a:rPr>
+              <a:t>vamos</a:t>
+            </a:r>
+            <a:r>
+              <a:rPr lang="en-US" sz="5000" spc="225" dirty="0">
+                <a:solidFill>
+                  <a:srgbClr val="2B4A9D"/>
+                </a:solidFill>
+                <a:latin typeface="Poppins Ultra-Bold"/>
+                <a:cs typeface="Poppins Ultra-Bold"/>
+              </a:rPr>
+              <a:t> </a:t>
+            </a:r>
+            <a:r>
+              <a:rPr lang="en-US" sz="5000" spc="225" dirty="0" err="1">
+                <a:solidFill>
+                  <a:srgbClr val="2B4A9D"/>
+                </a:solidFill>
+                <a:latin typeface="Poppins Ultra-Bold"/>
+                <a:cs typeface="Poppins Ultra-Bold"/>
+              </a:rPr>
+              <a:t>falar</a:t>
+            </a:r>
+            <a:r>
+              <a:rPr lang="en-US" sz="5000" spc="225" dirty="0">
+                <a:solidFill>
+                  <a:srgbClr val="2B4A9D"/>
+                </a:solidFill>
+                <a:latin typeface="Poppins Ultra-Bold"/>
+                <a:cs typeface="Poppins Ultra-Bold"/>
+              </a:rPr>
+              <a:t> </a:t>
+            </a:r>
+            <a:r>
+              <a:rPr lang="en-US" sz="5000" spc="225" dirty="0" err="1">
+                <a:solidFill>
+                  <a:srgbClr val="2B4A9D"/>
+                </a:solidFill>
+                <a:latin typeface="Poppins Ultra-Bold"/>
+                <a:cs typeface="Poppins Ultra-Bold"/>
+              </a:rPr>
+              <a:t>sobre</a:t>
+            </a:r>
+            <a:r>
+              <a:rPr lang="en-US" sz="5000" spc="225" dirty="0">
+                <a:solidFill>
+                  <a:srgbClr val="2B4A9D"/>
+                </a:solidFill>
+                <a:latin typeface="Poppins Ultra-Bold"/>
+                <a:cs typeface="Poppins Ultra-Bold"/>
+              </a:rPr>
+              <a:t> o Flutter e o </a:t>
+            </a:r>
+            <a:r>
+              <a:rPr lang="en-US" sz="5000" spc="225" dirty="0" err="1">
+                <a:solidFill>
+                  <a:srgbClr val="2B4A9D"/>
+                </a:solidFill>
+                <a:latin typeface="Poppins Ultra-Bold"/>
+                <a:cs typeface="Poppins Ultra-Bold"/>
+              </a:rPr>
+              <a:t>ambiente</a:t>
+            </a:r>
+            <a:r>
+              <a:rPr lang="en-US" sz="5000" spc="225" dirty="0">
+                <a:solidFill>
+                  <a:srgbClr val="2B4A9D"/>
+                </a:solidFill>
+                <a:latin typeface="Poppins Ultra-Bold"/>
+                <a:cs typeface="Poppins Ultra-Bold"/>
+              </a:rPr>
+              <a:t> de </a:t>
+            </a:r>
+            <a:r>
+              <a:rPr lang="en-US" sz="5000" spc="225" dirty="0" err="1">
+                <a:solidFill>
+                  <a:srgbClr val="2B4A9D"/>
+                </a:solidFill>
+                <a:latin typeface="Poppins Ultra-Bold"/>
+                <a:cs typeface="Poppins Ultra-Bold"/>
+              </a:rPr>
+              <a:t>desenvolvimento</a:t>
+            </a:r>
+            <a:r>
+              <a:rPr lang="en-US" sz="5000" spc="225" dirty="0">
+                <a:solidFill>
+                  <a:srgbClr val="2B4A9D"/>
+                </a:solidFill>
+                <a:latin typeface="Poppins Ultra-Bold"/>
+                <a:cs typeface="Poppins Ultra-Bold"/>
+              </a:rPr>
+              <a:t>.</a:t>
+            </a:r>
+          </a:p>
+        </p:txBody>
+      </p:sp>
+      <p:grpSp>
+        <p:nvGrpSpPr>
+          <p:cNvPr id="6" name="Group 14">
+            <a:extLst>
+              <a:ext uri="{FF2B5EF4-FFF2-40B4-BE49-F238E27FC236}">
+                <a16:creationId xmlns:a16="http://schemas.microsoft.com/office/drawing/2014/main" id="{87B2F7C1-5599-10E5-1F33-EBF5683025E1}"/>
+              </a:ext>
+            </a:extLst>
+          </p:cNvPr>
+          <p:cNvGrpSpPr/>
+          <p:nvPr/>
+        </p:nvGrpSpPr>
+        <p:grpSpPr>
+          <a:xfrm rot="5400000">
+            <a:off x="-1309" y="1309"/>
+            <a:ext cx="1635964" cy="1633346"/>
+            <a:chOff x="0" y="0"/>
+            <a:chExt cx="6350000" cy="6339840"/>
+          </a:xfrm>
+        </p:grpSpPr>
+        <p:sp>
+          <p:nvSpPr>
+            <p:cNvPr id="5" name="Freeform 15">
+              <a:extLst>
+                <a:ext uri="{FF2B5EF4-FFF2-40B4-BE49-F238E27FC236}">
+                  <a16:creationId xmlns:a16="http://schemas.microsoft.com/office/drawing/2014/main" id="{18CD85D3-8141-2E3C-4081-E7F0981D5799}"/>
+                </a:ext>
+              </a:extLst>
+            </p:cNvPr>
+            <p:cNvSpPr/>
+            <p:nvPr/>
+          </p:nvSpPr>
+          <p:spPr>
+            <a:xfrm>
+              <a:off x="0" y="0"/>
+              <a:ext cx="6350000" cy="6339840"/>
+            </a:xfrm>
+            <a:custGeom>
+              <a:avLst/>
+              <a:gdLst/>
+              <a:ahLst/>
+              <a:cxnLst/>
+              <a:rect l="l" t="t" r="r" b="b"/>
+              <a:pathLst>
+                <a:path w="6350000" h="6339840">
+                  <a:moveTo>
+                    <a:pt x="6350000" y="6339840"/>
+                  </a:moveTo>
+                  <a:lnTo>
+                    <a:pt x="0" y="6339840"/>
+                  </a:lnTo>
+                  <a:lnTo>
+                    <a:pt x="0" y="0"/>
+                  </a:lnTo>
+                  <a:lnTo>
+                    <a:pt x="6350000" y="6339840"/>
+                  </a:lnTo>
+                  <a:close/>
+                </a:path>
+              </a:pathLst>
+            </a:custGeom>
+            <a:solidFill>
+              <a:srgbClr val="2B4A9D"/>
+            </a:solidFill>
+          </p:spPr>
+        </p:sp>
+      </p:grpSp>
+    </p:spTree>
+    <p:extLst>
+      <p:ext uri="{BB962C8B-B14F-4D97-AF65-F5344CB8AC3E}">
+        <p14:creationId xmlns:p14="http://schemas.microsoft.com/office/powerpoint/2010/main" val="331618629"/>
       </p:ext>
     </p:extLst>
   </p:cSld>
